--- a/PRESENTATIONS/cmake/2013-07-08-SummerSchool-CMake.pptx
+++ b/PRESENTATIONS/cmake/2013-07-08-SummerSchool-CMake.pptx
@@ -5,10 +5,10 @@
     <p:sldMasterId id="2147483648" r:id="rId1"/>
   </p:sldMasterIdLst>
   <p:notesMasterIdLst>
-    <p:notesMasterId r:id="rId17"/>
+    <p:notesMasterId r:id="rId25"/>
   </p:notesMasterIdLst>
   <p:handoutMasterIdLst>
-    <p:handoutMasterId r:id="rId18"/>
+    <p:handoutMasterId r:id="rId26"/>
   </p:handoutMasterIdLst>
   <p:sldIdLst>
     <p:sldId id="270" r:id="rId2"/>
@@ -26,6 +26,14 @@
     <p:sldId id="437" r:id="rId14"/>
     <p:sldId id="438" r:id="rId15"/>
     <p:sldId id="439" r:id="rId16"/>
+    <p:sldId id="440" r:id="rId17"/>
+    <p:sldId id="441" r:id="rId18"/>
+    <p:sldId id="442" r:id="rId19"/>
+    <p:sldId id="443" r:id="rId20"/>
+    <p:sldId id="444" r:id="rId21"/>
+    <p:sldId id="445" r:id="rId22"/>
+    <p:sldId id="446" r:id="rId23"/>
+    <p:sldId id="447" r:id="rId24"/>
   </p:sldIdLst>
   <p:sldSz cx="9144000" cy="6858000" type="screen4x3"/>
   <p:notesSz cx="6858000" cy="9144000"/>
@@ -126,7 +134,7 @@
   </p:defaultTextStyle>
   <p:extLst>
     <p:ext uri="{EFAFB233-063F-42B5-8137-9DF3F51BA10A}">
-      <p15:sldGuideLst xmlns:p15="http://schemas.microsoft.com/office/powerpoint/2012/main" xmlns="">
+      <p15:sldGuideLst xmlns:p15="http://schemas.microsoft.com/office/powerpoint/2012/main">
         <p15:guide id="1" orient="horz" pos="572">
           <p15:clr>
             <a:srgbClr val="A4A3A4"/>
@@ -200,7 +208,7 @@
       </p15:sldGuideLst>
     </p:ext>
     <p:ext uri="{2D200454-40CA-4A62-9FC3-DE9A4176ACB9}">
-      <p15:notesGuideLst xmlns:p15="http://schemas.microsoft.com/office/powerpoint/2012/main" xmlns="">
+      <p15:notesGuideLst xmlns:p15="http://schemas.microsoft.com/office/powerpoint/2012/main">
         <p15:guide id="1" orient="horz" pos="2880">
           <p15:clr>
             <a:srgbClr val="A4A3A4"/>
@@ -299,7 +307,7 @@
           <a:p>
             <a:fld id="{FBB42A5D-36FB-43B9-9308-5EF473508921}" type="datetimeFigureOut">
               <a:rPr lang="en-GB" smtClean="0"/>
-              <a:t>08/07/2013</a:t>
+              <a:t>09/07/2013</a:t>
             </a:fld>
             <a:endParaRPr lang="en-GB"/>
           </a:p>
@@ -465,7 +473,7 @@
           <a:p>
             <a:fld id="{1A610864-E002-4246-B2E3-50AB6F79D8F4}" type="datetimeFigureOut">
               <a:rPr lang="de-CH" smtClean="0"/>
-              <a:t>08.07.2013</a:t>
+              <a:t>09.07.2013</a:t>
             </a:fld>
             <a:endParaRPr lang="de-CH"/>
           </a:p>
@@ -925,7 +933,7 @@
           <a:p>
             <a:fld id="{F0EF0DE8-6EC0-45F2-9F3A-738020319F01}" type="datetime1">
               <a:rPr lang="en-US" smtClean="0"/>
-              <a:t>7/8/2013</a:t>
+              <a:t>7/9/2013</a:t>
             </a:fld>
             <a:endParaRPr lang="de-CH"/>
           </a:p>
@@ -1204,7 +1212,7 @@
           <a:p>
             <a:fld id="{9FB1C70E-3205-4E42-A032-C1937D70628B}" type="datetime1">
               <a:rPr lang="en-US" smtClean="0"/>
-              <a:t>7/8/2013</a:t>
+              <a:t>7/9/2013</a:t>
             </a:fld>
             <a:endParaRPr lang="de-CH"/>
           </a:p>
@@ -1454,7 +1462,7 @@
           <a:p>
             <a:fld id="{A8DD5691-BECE-48E0-AB19-F936549D5B29}" type="datetime1">
               <a:rPr lang="en-US" smtClean="0"/>
-              <a:t>7/8/2013</a:t>
+              <a:t>7/9/2013</a:t>
             </a:fld>
             <a:endParaRPr lang="de-CH"/>
           </a:p>
@@ -1611,7 +1619,7 @@
           <a:p>
             <a:fld id="{7D09234D-A13E-44BD-8BB5-A5092EE91EAE}" type="datetime1">
               <a:rPr lang="en-US" smtClean="0"/>
-              <a:t>7/8/2013</a:t>
+              <a:t>7/9/2013</a:t>
             </a:fld>
             <a:endParaRPr lang="de-CH"/>
           </a:p>
@@ -1741,7 +1749,7 @@
           <a:p>
             <a:fld id="{790A000B-C01C-4D81-B626-68734D8DD3FA}" type="datetime1">
               <a:rPr lang="en-US" smtClean="0"/>
-              <a:t>7/8/2013</a:t>
+              <a:t>7/9/2013</a:t>
             </a:fld>
             <a:endParaRPr lang="de-CH" dirty="0"/>
           </a:p>
@@ -1903,7 +1911,7 @@
           <a:p>
             <a:fld id="{3C88134F-510D-4017-90E6-F55F3AB92534}" type="datetime1">
               <a:rPr lang="en-US" smtClean="0"/>
-              <a:t>7/8/2013</a:t>
+              <a:t>7/9/2013</a:t>
             </a:fld>
             <a:endParaRPr lang="de-CH" dirty="0"/>
           </a:p>
@@ -2120,7 +2128,7 @@
           <a:p>
             <a:fld id="{34313030-F0A1-4B28-BDD2-1326A7331BD6}" type="datetime1">
               <a:rPr lang="en-US" smtClean="0"/>
-              <a:t>7/8/2013</a:t>
+              <a:t>7/9/2013</a:t>
             </a:fld>
             <a:endParaRPr lang="de-CH" dirty="0"/>
           </a:p>
@@ -2348,7 +2356,7 @@
           <a:p>
             <a:fld id="{4A552AA1-7EFE-4603-9BA3-2B9438B0711E}" type="datetime1">
               <a:rPr lang="en-US" smtClean="0"/>
-              <a:t>7/8/2013</a:t>
+              <a:t>7/9/2013</a:t>
             </a:fld>
             <a:endParaRPr lang="de-CH"/>
           </a:p>
@@ -2504,7 +2512,7 @@
           <a:p>
             <a:fld id="{78DEFB4F-ACDE-404E-9C22-38445738353A}" type="datetime1">
               <a:rPr lang="en-US" smtClean="0"/>
-              <a:t>7/8/2013</a:t>
+              <a:t>7/9/2013</a:t>
             </a:fld>
             <a:endParaRPr lang="de-CH" dirty="0"/>
           </a:p>
@@ -2742,7 +2750,7 @@
           <a:p>
             <a:fld id="{2CFBDBF6-42D1-4C79-9A9B-CE95589AEA41}" type="datetime1">
               <a:rPr lang="en-US" smtClean="0"/>
-              <a:t>7/8/2013</a:t>
+              <a:t>7/9/2013</a:t>
             </a:fld>
             <a:endParaRPr lang="de-CH"/>
           </a:p>
@@ -2979,7 +2987,7 @@
           <a:p>
             <a:fld id="{FA6D0595-6551-4114-B474-90710CB0E11C}" type="datetime1">
               <a:rPr lang="en-US" smtClean="0"/>
-              <a:t>7/8/2013</a:t>
+              <a:t>7/9/2013</a:t>
             </a:fld>
             <a:endParaRPr lang="de-CH"/>
           </a:p>
@@ -3229,7 +3237,7 @@
           <a:p>
             <a:fld id="{11CE0E1D-CA1C-436D-B9B7-4812A0034645}" type="datetime1">
               <a:rPr lang="en-US" smtClean="0"/>
-              <a:t>7/8/2013</a:t>
+              <a:t>7/9/2013</a:t>
             </a:fld>
             <a:endParaRPr lang="de-CH"/>
           </a:p>
@@ -3387,7 +3395,7 @@
           <a:p>
             <a:fld id="{DA231204-2BF0-49C0-A25C-6009988F4C7A}" type="datetime1">
               <a:rPr lang="en-US" smtClean="0"/>
-              <a:t>7/8/2013</a:t>
+              <a:t>7/9/2013</a:t>
             </a:fld>
             <a:endParaRPr lang="de-CH"/>
           </a:p>
@@ -3663,7 +3671,7 @@
           <a:p>
             <a:fld id="{7A54CD07-1E08-4790-BA63-19EF32133848}" type="datetime1">
               <a:rPr lang="en-US" smtClean="0"/>
-              <a:t>7/8/2013</a:t>
+              <a:t>7/9/2013</a:t>
             </a:fld>
             <a:endParaRPr lang="de-CH" dirty="0"/>
           </a:p>
@@ -4127,7 +4135,7 @@
               <a:rPr lang="en-GB" dirty="0" smtClean="0"/>
             </a:br>
             <a:r>
-              <a:rPr lang="en-GB" dirty="0" err="1" smtClean="0"/>
+              <a:rPr lang="en-GB" dirty="0" smtClean="0"/>
               <a:t>CMake</a:t>
             </a:r>
             <a:endParaRPr lang="en-GB" dirty="0"/>
@@ -4526,8 +4534,22 @@
           <a:p>
             <a:r>
               <a:rPr lang="en-GB" dirty="0" smtClean="0"/>
-              <a:t>e = exit from messages</a:t>
-            </a:r>
+              <a:t>e = exit from </a:t>
+            </a:r>
+            <a:r>
+              <a:rPr lang="en-GB" dirty="0" smtClean="0"/>
+              <a:t>messages</a:t>
+            </a:r>
+          </a:p>
+          <a:p>
+            <a:endParaRPr lang="en-GB" dirty="0"/>
+          </a:p>
+          <a:p>
+            <a:r>
+              <a:rPr lang="en-GB" dirty="0" smtClean="0"/>
+              <a:t>Hot tip : use “make VERBOSE=1” when you have trouble</a:t>
+            </a:r>
+            <a:endParaRPr lang="en-GB" dirty="0" smtClean="0"/>
           </a:p>
           <a:p>
             <a:endParaRPr lang="en-GB" dirty="0"/>
@@ -4634,12 +4656,8 @@
           <a:lstStyle/>
           <a:p>
             <a:r>
-              <a:rPr lang="en-GB" dirty="0" err="1" smtClean="0"/>
-              <a:t>CMake</a:t>
-            </a:r>
-            <a:r>
-              <a:rPr lang="en-GB" dirty="0" smtClean="0"/>
-              <a:t> GUI on windows</a:t>
+              <a:rPr lang="en-GB" dirty="0" smtClean="0"/>
+              <a:t>CMake GUI on windows</a:t>
             </a:r>
             <a:endParaRPr lang="en-GB" dirty="0"/>
           </a:p>
@@ -4792,109 +4810,109 @@
           <a:p>
             <a:pPr lvl="1"/>
             <a:r>
-              <a:rPr lang="en-GB" dirty="0"/>
+              <a:rPr lang="en-GB" b="1" dirty="0"/>
               <a:t>#--------------------------------------------------------------------------</a:t>
             </a:r>
           </a:p>
           <a:p>
             <a:pPr lvl="1"/>
             <a:r>
-              <a:rPr lang="en-GB" dirty="0"/>
+              <a:rPr lang="en-GB" b="1" dirty="0"/>
               <a:t># provide parallelization options for user selection </a:t>
             </a:r>
           </a:p>
           <a:p>
             <a:pPr lvl="1"/>
             <a:r>
-              <a:rPr lang="en-GB" dirty="0"/>
+              <a:rPr lang="en-GB" b="1" dirty="0"/>
               <a:t>#--------------------------------------------------------------------------</a:t>
             </a:r>
           </a:p>
           <a:p>
             <a:pPr lvl="1"/>
             <a:r>
-              <a:rPr lang="en-GB" dirty="0"/>
+              <a:rPr lang="en-GB" b="1" dirty="0"/>
               <a:t>option(SWE_ENABLE_MPI  "Enable MPI Parallel version" OFF)</a:t>
             </a:r>
           </a:p>
           <a:p>
             <a:pPr lvl="1"/>
             <a:r>
-              <a:rPr lang="en-GB" dirty="0"/>
+              <a:rPr lang="en-GB" b="1" dirty="0"/>
               <a:t>option(SWE_ENABLE_CUDA "Enable CUDA Parallel version" OFF)</a:t>
             </a:r>
           </a:p>
           <a:p>
             <a:pPr lvl="1"/>
-            <a:endParaRPr lang="en-GB" dirty="0"/>
+            <a:endParaRPr lang="en-GB" b="1" dirty="0"/>
           </a:p>
           <a:p>
             <a:pPr lvl="1"/>
             <a:r>
-              <a:rPr lang="en-GB" dirty="0"/>
+              <a:rPr lang="en-GB" b="1" dirty="0"/>
               <a:t>if (SWE_ENABLE_MPI)</a:t>
             </a:r>
           </a:p>
           <a:p>
             <a:pPr lvl="1"/>
             <a:r>
-              <a:rPr lang="en-GB" dirty="0"/>
+              <a:rPr lang="en-GB" b="1" dirty="0"/>
               <a:t> </a:t>
             </a:r>
             <a:r>
-              <a:rPr lang="en-GB" dirty="0" err="1"/>
+              <a:rPr lang="en-GB" b="1" dirty="0" err="1"/>
               <a:t>find_package</a:t>
             </a:r>
             <a:r>
-              <a:rPr lang="en-GB" dirty="0"/>
+              <a:rPr lang="en-GB" b="1" dirty="0"/>
               <a:t>(MPI REQUIRED)</a:t>
             </a:r>
           </a:p>
           <a:p>
             <a:pPr lvl="1"/>
             <a:r>
-              <a:rPr lang="en-GB" dirty="0" err="1"/>
+              <a:rPr lang="en-GB" b="1" dirty="0" err="1"/>
               <a:t>endif</a:t>
             </a:r>
             <a:r>
-              <a:rPr lang="en-GB" dirty="0"/>
+              <a:rPr lang="en-GB" b="1" dirty="0"/>
               <a:t> (SWE_ENABLE_MPI)</a:t>
             </a:r>
           </a:p>
           <a:p>
             <a:pPr lvl="1"/>
-            <a:endParaRPr lang="en-GB" dirty="0"/>
+            <a:endParaRPr lang="en-GB" b="1" dirty="0"/>
           </a:p>
           <a:p>
             <a:pPr lvl="1"/>
             <a:r>
-              <a:rPr lang="en-GB" dirty="0"/>
+              <a:rPr lang="en-GB" b="1" dirty="0"/>
               <a:t>if (SWE_ENABLE_CUDA)</a:t>
             </a:r>
           </a:p>
           <a:p>
             <a:pPr lvl="1"/>
             <a:r>
-              <a:rPr lang="en-GB" dirty="0"/>
+              <a:rPr lang="en-GB" b="1" dirty="0"/>
               <a:t> </a:t>
             </a:r>
             <a:r>
-              <a:rPr lang="en-GB" dirty="0" err="1"/>
+              <a:rPr lang="en-GB" b="1" dirty="0" err="1"/>
               <a:t>find_package</a:t>
             </a:r>
             <a:r>
-              <a:rPr lang="en-GB" dirty="0"/>
+              <a:rPr lang="en-GB" b="1" dirty="0"/>
               <a:t>(CUDA REQUIRED)</a:t>
             </a:r>
           </a:p>
           <a:p>
             <a:pPr lvl="1"/>
             <a:r>
-              <a:rPr lang="en-GB" dirty="0" err="1"/>
+              <a:rPr lang="en-GB" b="1" dirty="0" err="1"/>
               <a:t>endif</a:t>
             </a:r>
             <a:r>
-              <a:rPr lang="en-GB" dirty="0"/>
+              <a:rPr lang="en-GB" b="1" dirty="0"/>
               <a:t> (SWE_ENABLE_CUDA)</a:t>
             </a:r>
           </a:p>
@@ -4985,197 +5003,189 @@
           <a:p>
             <a:pPr lvl="1"/>
             <a:r>
-              <a:rPr lang="en-GB" dirty="0"/>
+              <a:rPr lang="en-GB" b="1" dirty="0"/>
               <a:t>#--------------------------------------------------------------------------</a:t>
             </a:r>
           </a:p>
           <a:p>
             <a:pPr lvl="1"/>
             <a:r>
-              <a:rPr lang="en-GB" dirty="0"/>
+              <a:rPr lang="en-GB" b="1" dirty="0"/>
               <a:t># include directories</a:t>
             </a:r>
           </a:p>
           <a:p>
             <a:pPr lvl="1"/>
             <a:r>
-              <a:rPr lang="en-GB" dirty="0"/>
+              <a:rPr lang="en-GB" b="1" dirty="0"/>
               <a:t>#</a:t>
             </a:r>
           </a:p>
           <a:p>
             <a:pPr lvl="1"/>
             <a:r>
-              <a:rPr lang="en-GB" dirty="0"/>
+              <a:rPr lang="en-GB" b="1" dirty="0"/>
               <a:t># any includes listed here apply to this project and </a:t>
             </a:r>
           </a:p>
           <a:p>
             <a:pPr lvl="1"/>
             <a:r>
-              <a:rPr lang="en-GB" dirty="0"/>
+              <a:rPr lang="en-GB" b="1" dirty="0"/>
               <a:t># any projects in sub </a:t>
             </a:r>
             <a:r>
-              <a:rPr lang="en-GB" dirty="0" err="1"/>
+              <a:rPr lang="en-GB" b="1" dirty="0" err="1"/>
               <a:t>dirs</a:t>
             </a:r>
-            <a:endParaRPr lang="en-GB" dirty="0"/>
+            <a:endParaRPr lang="en-GB" b="1" dirty="0"/>
           </a:p>
           <a:p>
             <a:pPr lvl="1"/>
             <a:r>
-              <a:rPr lang="en-GB" dirty="0"/>
+              <a:rPr lang="en-GB" b="1" dirty="0"/>
               <a:t>#--------------------------------------------------------------------------</a:t>
             </a:r>
           </a:p>
           <a:p>
             <a:pPr lvl="1"/>
             <a:r>
-              <a:rPr lang="en-GB" dirty="0" err="1"/>
+              <a:rPr lang="en-GB" b="1" dirty="0" err="1"/>
               <a:t>include_directories</a:t>
             </a:r>
             <a:r>
-              <a:rPr lang="en-GB" dirty="0"/>
+              <a:rPr lang="en-GB" b="1" dirty="0"/>
               <a:t>(</a:t>
             </a:r>
           </a:p>
           <a:p>
             <a:pPr lvl="1"/>
             <a:r>
-              <a:rPr lang="en-GB" dirty="0"/>
+              <a:rPr lang="en-GB" b="1" dirty="0"/>
               <a:t>  </a:t>
             </a:r>
             <a:r>
-              <a:rPr lang="en-GB" dirty="0" err="1"/>
+              <a:rPr lang="en-GB" b="1" dirty="0" err="1"/>
               <a:t>src</a:t>
             </a:r>
-            <a:endParaRPr lang="en-GB" dirty="0"/>
+            <a:endParaRPr lang="en-GB" b="1" dirty="0"/>
           </a:p>
           <a:p>
             <a:pPr lvl="1"/>
             <a:r>
-              <a:rPr lang="en-GB" dirty="0"/>
+              <a:rPr lang="en-GB" b="1" dirty="0"/>
               <a:t>  </a:t>
             </a:r>
             <a:r>
-              <a:rPr lang="en-GB" dirty="0" err="1"/>
+              <a:rPr lang="en-GB" b="1" dirty="0" err="1"/>
               <a:t>submodules</a:t>
             </a:r>
             <a:r>
-              <a:rPr lang="en-GB" dirty="0"/>
+              <a:rPr lang="en-GB" b="1" dirty="0"/>
               <a:t>/</a:t>
             </a:r>
             <a:r>
-              <a:rPr lang="en-GB" dirty="0" err="1"/>
+              <a:rPr lang="en-GB" b="1" dirty="0" err="1"/>
               <a:t>swe_solvers</a:t>
             </a:r>
             <a:r>
-              <a:rPr lang="en-GB" dirty="0"/>
+              <a:rPr lang="en-GB" b="1" dirty="0"/>
               <a:t>/</a:t>
             </a:r>
             <a:r>
-              <a:rPr lang="en-GB" dirty="0" err="1"/>
+              <a:rPr lang="en-GB" b="1" dirty="0" err="1"/>
               <a:t>src</a:t>
             </a:r>
-            <a:endParaRPr lang="en-GB" dirty="0"/>
+            <a:endParaRPr lang="en-GB" b="1" dirty="0"/>
           </a:p>
           <a:p>
             <a:pPr lvl="1"/>
             <a:r>
-              <a:rPr lang="en-GB" dirty="0"/>
+              <a:rPr lang="en-GB" b="1" dirty="0"/>
               <a:t>)</a:t>
             </a:r>
           </a:p>
           <a:p>
             <a:pPr lvl="1"/>
-            <a:endParaRPr lang="en-GB" dirty="0"/>
+            <a:endParaRPr lang="en-GB" b="1" dirty="0" smtClean="0"/>
           </a:p>
           <a:p>
             <a:pPr lvl="1"/>
             <a:r>
-              <a:rPr lang="en-GB" dirty="0"/>
+              <a:rPr lang="en-GB" b="1" dirty="0" smtClean="0"/>
+              <a:t># fix for </a:t>
+            </a:r>
+            <a:r>
+              <a:rPr lang="en-GB" b="1" dirty="0" err="1" smtClean="0"/>
+              <a:t>getopt</a:t>
+            </a:r>
+            <a:r>
+              <a:rPr lang="en-GB" b="1" dirty="0" smtClean="0"/>
+              <a:t> on windows</a:t>
+            </a:r>
+            <a:endParaRPr lang="en-GB" b="1" dirty="0"/>
+          </a:p>
+          <a:p>
+            <a:pPr lvl="1"/>
+            <a:r>
+              <a:rPr lang="en-GB" b="1" dirty="0"/>
               <a:t>if(WIN32)</a:t>
             </a:r>
           </a:p>
           <a:p>
             <a:pPr lvl="1"/>
             <a:r>
-              <a:rPr lang="en-GB" dirty="0"/>
+              <a:rPr lang="en-GB" b="1" dirty="0"/>
               <a:t>  </a:t>
             </a:r>
             <a:r>
-              <a:rPr lang="en-GB" dirty="0" err="1"/>
+              <a:rPr lang="en-GB" b="1" dirty="0" err="1"/>
               <a:t>include_directories</a:t>
             </a:r>
             <a:r>
-              <a:rPr lang="en-GB" dirty="0"/>
+              <a:rPr lang="en-GB" b="1" dirty="0"/>
               <a:t>(</a:t>
             </a:r>
             <a:r>
-              <a:rPr lang="en-GB" dirty="0" err="1"/>
+              <a:rPr lang="en-GB" b="1" dirty="0" err="1"/>
               <a:t>src</a:t>
             </a:r>
             <a:r>
-              <a:rPr lang="en-GB" dirty="0"/>
+              <a:rPr lang="en-GB" b="1" dirty="0"/>
               <a:t>/tools/win32)</a:t>
             </a:r>
           </a:p>
           <a:p>
             <a:pPr lvl="1"/>
             <a:r>
-              <a:rPr lang="en-GB" dirty="0"/>
-              <a:t>  </a:t>
-            </a:r>
-            <a:r>
-              <a:rPr lang="en-GB" dirty="0">
-                <a:solidFill>
-                  <a:schemeClr val="tx2"/>
-                </a:solidFill>
-              </a:rPr>
-              <a:t>set(WIN32_SRCS </a:t>
-            </a:r>
-            <a:r>
-              <a:rPr lang="en-GB" dirty="0" err="1">
-                <a:solidFill>
-                  <a:schemeClr val="tx2"/>
-                </a:solidFill>
-              </a:rPr>
+              <a:rPr lang="en-GB" b="1" dirty="0"/>
+              <a:t>  set(WIN32_SRCS </a:t>
+            </a:r>
+            <a:r>
+              <a:rPr lang="en-GB" b="1" dirty="0" err="1"/>
               <a:t>src</a:t>
             </a:r>
             <a:r>
-              <a:rPr lang="en-GB" dirty="0">
-                <a:solidFill>
-                  <a:schemeClr val="tx2"/>
-                </a:solidFill>
-              </a:rPr>
+              <a:rPr lang="en-GB" b="1" dirty="0"/>
               <a:t>/tools/win32/</a:t>
             </a:r>
             <a:r>
-              <a:rPr lang="en-GB" dirty="0" err="1">
-                <a:solidFill>
-                  <a:schemeClr val="tx2"/>
-                </a:solidFill>
-              </a:rPr>
+              <a:rPr lang="en-GB" b="1" dirty="0" err="1"/>
               <a:t>getopt.c</a:t>
             </a:r>
             <a:r>
-              <a:rPr lang="en-GB" dirty="0">
-                <a:solidFill>
-                  <a:schemeClr val="tx2"/>
-                </a:solidFill>
-              </a:rPr>
+              <a:rPr lang="en-GB" b="1" dirty="0"/>
               <a:t>)</a:t>
             </a:r>
           </a:p>
           <a:p>
             <a:pPr lvl="1"/>
             <a:r>
-              <a:rPr lang="en-GB" dirty="0" err="1"/>
+              <a:rPr lang="en-GB" b="1" dirty="0" err="1"/>
               <a:t>endif</a:t>
             </a:r>
             <a:r>
-              <a:rPr lang="en-GB" dirty="0"/>
+              <a:rPr lang="en-GB" b="1" dirty="0"/>
               <a:t>(WIN32)</a:t>
             </a:r>
           </a:p>
@@ -5398,7 +5408,6 @@
               <a:rPr lang="en-GB" dirty="0"/>
               <a:t>)</a:t>
             </a:r>
-            <a:endParaRPr lang="en-GB" dirty="0"/>
           </a:p>
         </p:txBody>
       </p:sp>
@@ -5406,6 +5415,682 @@
     <p:extLst>
       <p:ext uri="{BB962C8B-B14F-4D97-AF65-F5344CB8AC3E}">
         <p14:creationId xmlns:p14="http://schemas.microsoft.com/office/powerpoint/2010/main" val="2380576786"/>
+      </p:ext>
+    </p:extLst>
+  </p:cSld>
+  <p:clrMapOvr>
+    <a:masterClrMapping/>
+  </p:clrMapOvr>
+</p:sld>
+</file>
+
+<file path=ppt/slides/slide16.xml><?xml version="1.0" encoding="utf-8"?>
+<p:sld xmlns:a="http://schemas.openxmlformats.org/drawingml/2006/main" xmlns:r="http://schemas.openxmlformats.org/officeDocument/2006/relationships" xmlns:p="http://schemas.openxmlformats.org/presentationml/2006/main">
+  <p:cSld>
+    <p:spTree>
+      <p:nvGrpSpPr>
+        <p:cNvPr id="1" name=""/>
+        <p:cNvGrpSpPr/>
+        <p:nvPr/>
+      </p:nvGrpSpPr>
+      <p:grpSpPr>
+        <a:xfrm>
+          <a:off x="0" y="0"/>
+          <a:ext cx="0" cy="0"/>
+          <a:chOff x="0" y="0"/>
+          <a:chExt cx="0" cy="0"/>
+        </a:xfrm>
+      </p:grpSpPr>
+      <p:sp>
+        <p:nvSpPr>
+          <p:cNvPr id="2" name="Title 1"/>
+          <p:cNvSpPr>
+            <a:spLocks noGrp="1"/>
+          </p:cNvSpPr>
+          <p:nvPr>
+            <p:ph type="title"/>
+          </p:nvPr>
+        </p:nvSpPr>
+        <p:spPr/>
+        <p:txBody>
+          <a:bodyPr/>
+          <a:lstStyle/>
+          <a:p>
+            <a:r>
+              <a:rPr lang="en-GB" dirty="0" err="1" smtClean="0"/>
+              <a:t>CTest</a:t>
+            </a:r>
+            <a:endParaRPr lang="en-GB" dirty="0"/>
+          </a:p>
+        </p:txBody>
+      </p:sp>
+      <p:sp>
+        <p:nvSpPr>
+          <p:cNvPr id="3" name="Content Placeholder 2"/>
+          <p:cNvSpPr>
+            <a:spLocks noGrp="1"/>
+          </p:cNvSpPr>
+          <p:nvPr>
+            <p:ph idx="1"/>
+          </p:nvPr>
+        </p:nvSpPr>
+        <p:spPr/>
+        <p:txBody>
+          <a:bodyPr/>
+          <a:lstStyle/>
+          <a:p>
+            <a:r>
+              <a:rPr lang="en-GB" dirty="0" smtClean="0"/>
+              <a:t>CMake comes with </a:t>
+            </a:r>
+            <a:r>
+              <a:rPr lang="en-GB" dirty="0" err="1" smtClean="0"/>
+              <a:t>CTest</a:t>
+            </a:r>
+            <a:r>
+              <a:rPr lang="en-GB" dirty="0" smtClean="0"/>
+              <a:t> (testing) and </a:t>
+            </a:r>
+            <a:r>
+              <a:rPr lang="en-GB" dirty="0" err="1" smtClean="0"/>
+              <a:t>Cpack</a:t>
+            </a:r>
+            <a:r>
+              <a:rPr lang="en-GB" dirty="0" smtClean="0"/>
+              <a:t> (packaging releases)</a:t>
+            </a:r>
+          </a:p>
+          <a:p>
+            <a:endParaRPr lang="en-GB" dirty="0"/>
+          </a:p>
+          <a:p>
+            <a:r>
+              <a:rPr lang="en-GB" dirty="0" err="1" smtClean="0"/>
+              <a:t>CTest</a:t>
+            </a:r>
+            <a:r>
+              <a:rPr lang="en-GB" dirty="0" smtClean="0"/>
+              <a:t> is very simple to setup for straightforward tests which execute some function and return 0 or 1 for pass or fail. Like most </a:t>
+            </a:r>
+            <a:r>
+              <a:rPr lang="en-GB" dirty="0" err="1" smtClean="0"/>
+              <a:t>unic</a:t>
+            </a:r>
+            <a:r>
+              <a:rPr lang="en-GB" dirty="0" smtClean="0"/>
+              <a:t> processes, </a:t>
+            </a:r>
+          </a:p>
+          <a:p>
+            <a:r>
+              <a:rPr lang="en-GB" dirty="0" smtClean="0"/>
+              <a:t>return 0 = nothing unusual = pass</a:t>
+            </a:r>
+          </a:p>
+          <a:p>
+            <a:r>
+              <a:rPr lang="en-GB" dirty="0" smtClean="0"/>
+              <a:t>Return 1 = something happened = fail</a:t>
+            </a:r>
+          </a:p>
+          <a:p>
+            <a:endParaRPr lang="en-GB" dirty="0"/>
+          </a:p>
+          <a:p>
+            <a:r>
+              <a:rPr lang="en-GB" dirty="0" smtClean="0"/>
+              <a:t>Slightly odd when you usually write tests with</a:t>
+            </a:r>
+          </a:p>
+          <a:p>
+            <a:r>
+              <a:rPr lang="en-GB" dirty="0" smtClean="0"/>
+              <a:t>	ok = Do setup stuff</a:t>
+            </a:r>
+          </a:p>
+          <a:p>
+            <a:r>
+              <a:rPr lang="en-GB" dirty="0" smtClean="0"/>
+              <a:t>	if (ok) {</a:t>
+            </a:r>
+          </a:p>
+          <a:p>
+            <a:r>
+              <a:rPr lang="en-GB" dirty="0"/>
+              <a:t> </a:t>
+            </a:r>
+            <a:r>
+              <a:rPr lang="en-GB" dirty="0" smtClean="0"/>
+              <a:t>	  Do complicated stuff</a:t>
+            </a:r>
+          </a:p>
+          <a:p>
+            <a:r>
+              <a:rPr lang="en-GB" dirty="0" smtClean="0"/>
+              <a:t>	}</a:t>
+            </a:r>
+          </a:p>
+          <a:p>
+            <a:r>
+              <a:rPr lang="en-GB" dirty="0" smtClean="0"/>
+              <a:t>	return ok </a:t>
+            </a:r>
+          </a:p>
+          <a:p>
+            <a:r>
+              <a:rPr lang="en-GB" dirty="0"/>
+              <a:t>	</a:t>
+            </a:r>
+            <a:r>
+              <a:rPr lang="en-GB" dirty="0" smtClean="0"/>
+              <a:t>// we need return !ok for tests</a:t>
+            </a:r>
+          </a:p>
+          <a:p>
+            <a:endParaRPr lang="en-GB" dirty="0" smtClean="0"/>
+          </a:p>
+          <a:p>
+            <a:r>
+              <a:rPr lang="en-GB" dirty="0" smtClean="0"/>
+              <a:t>NB. </a:t>
+            </a:r>
+            <a:r>
+              <a:rPr lang="en-GB" dirty="0" err="1" smtClean="0"/>
+              <a:t>Paraview</a:t>
+            </a:r>
+            <a:r>
+              <a:rPr lang="en-GB" dirty="0" smtClean="0"/>
+              <a:t> has over 1000 unit tests</a:t>
+            </a:r>
+            <a:endParaRPr lang="en-GB" dirty="0"/>
+          </a:p>
+        </p:txBody>
+      </p:sp>
+    </p:spTree>
+    <p:extLst>
+      <p:ext uri="{BB962C8B-B14F-4D97-AF65-F5344CB8AC3E}">
+        <p14:creationId xmlns:p14="http://schemas.microsoft.com/office/powerpoint/2010/main" val="779826991"/>
+      </p:ext>
+    </p:extLst>
+  </p:cSld>
+  <p:clrMapOvr>
+    <a:masterClrMapping/>
+  </p:clrMapOvr>
+</p:sld>
+</file>
+
+<file path=ppt/slides/slide17.xml><?xml version="1.0" encoding="utf-8"?>
+<p:sld xmlns:a="http://schemas.openxmlformats.org/drawingml/2006/main" xmlns:r="http://schemas.openxmlformats.org/officeDocument/2006/relationships" xmlns:p="http://schemas.openxmlformats.org/presentationml/2006/main">
+  <p:cSld>
+    <p:spTree>
+      <p:nvGrpSpPr>
+        <p:cNvPr id="1" name=""/>
+        <p:cNvGrpSpPr/>
+        <p:nvPr/>
+      </p:nvGrpSpPr>
+      <p:grpSpPr>
+        <a:xfrm>
+          <a:off x="0" y="0"/>
+          <a:ext cx="0" cy="0"/>
+          <a:chOff x="0" y="0"/>
+          <a:chExt cx="0" cy="0"/>
+        </a:xfrm>
+      </p:grpSpPr>
+      <p:sp>
+        <p:nvSpPr>
+          <p:cNvPr id="2" name="Title 1"/>
+          <p:cNvSpPr>
+            <a:spLocks noGrp="1"/>
+          </p:cNvSpPr>
+          <p:nvPr>
+            <p:ph type="title"/>
+          </p:nvPr>
+        </p:nvSpPr>
+        <p:spPr/>
+        <p:txBody>
+          <a:bodyPr/>
+          <a:lstStyle/>
+          <a:p>
+            <a:r>
+              <a:rPr lang="en-GB" dirty="0" smtClean="0"/>
+              <a:t>Dash (Dashboard testing)</a:t>
+            </a:r>
+            <a:endParaRPr lang="en-GB" dirty="0"/>
+          </a:p>
+        </p:txBody>
+      </p:sp>
+      <p:sp>
+        <p:nvSpPr>
+          <p:cNvPr id="3" name="Content Placeholder 2"/>
+          <p:cNvSpPr>
+            <a:spLocks noGrp="1"/>
+          </p:cNvSpPr>
+          <p:nvPr>
+            <p:ph idx="1"/>
+          </p:nvPr>
+        </p:nvSpPr>
+        <p:spPr/>
+        <p:txBody>
+          <a:bodyPr/>
+          <a:lstStyle/>
+          <a:p>
+            <a:r>
+              <a:rPr lang="en-GB" dirty="0" err="1" smtClean="0"/>
+              <a:t>Ctest</a:t>
+            </a:r>
+            <a:r>
+              <a:rPr lang="en-GB" dirty="0" smtClean="0"/>
+              <a:t> can submit results to Dash</a:t>
+            </a:r>
+          </a:p>
+          <a:p>
+            <a:endParaRPr lang="en-GB" dirty="0"/>
+          </a:p>
+          <a:p>
+            <a:endParaRPr lang="en-GB" dirty="0"/>
+          </a:p>
+        </p:txBody>
+      </p:sp>
+      <p:pic>
+        <p:nvPicPr>
+          <p:cNvPr id="5" name="Picture 4"/>
+          <p:cNvPicPr>
+            <a:picLocks noChangeAspect="1"/>
+          </p:cNvPicPr>
+          <p:nvPr/>
+        </p:nvPicPr>
+        <p:blipFill>
+          <a:blip r:embed="rId2"/>
+          <a:stretch>
+            <a:fillRect/>
+          </a:stretch>
+        </p:blipFill>
+        <p:spPr>
+          <a:xfrm>
+            <a:off x="755576" y="1949187"/>
+            <a:ext cx="7484343" cy="4917941"/>
+          </a:xfrm>
+          <a:prstGeom prst="rect">
+            <a:avLst/>
+          </a:prstGeom>
+        </p:spPr>
+      </p:pic>
+    </p:spTree>
+    <p:extLst>
+      <p:ext uri="{BB962C8B-B14F-4D97-AF65-F5344CB8AC3E}">
+        <p14:creationId xmlns:p14="http://schemas.microsoft.com/office/powerpoint/2010/main" val="3360534361"/>
+      </p:ext>
+    </p:extLst>
+  </p:cSld>
+  <p:clrMapOvr>
+    <a:masterClrMapping/>
+  </p:clrMapOvr>
+</p:sld>
+</file>
+
+<file path=ppt/slides/slide18.xml><?xml version="1.0" encoding="utf-8"?>
+<p:sld xmlns:a="http://schemas.openxmlformats.org/drawingml/2006/main" xmlns:r="http://schemas.openxmlformats.org/officeDocument/2006/relationships" xmlns:p="http://schemas.openxmlformats.org/presentationml/2006/main">
+  <p:cSld>
+    <p:spTree>
+      <p:nvGrpSpPr>
+        <p:cNvPr id="1" name=""/>
+        <p:cNvGrpSpPr/>
+        <p:nvPr/>
+      </p:nvGrpSpPr>
+      <p:grpSpPr>
+        <a:xfrm>
+          <a:off x="0" y="0"/>
+          <a:ext cx="0" cy="0"/>
+          <a:chOff x="0" y="0"/>
+          <a:chExt cx="0" cy="0"/>
+        </a:xfrm>
+      </p:grpSpPr>
+      <p:sp>
+        <p:nvSpPr>
+          <p:cNvPr id="2" name="Title 1"/>
+          <p:cNvSpPr>
+            <a:spLocks noGrp="1"/>
+          </p:cNvSpPr>
+          <p:nvPr>
+            <p:ph type="title"/>
+          </p:nvPr>
+        </p:nvSpPr>
+        <p:spPr/>
+        <p:txBody>
+          <a:bodyPr/>
+          <a:lstStyle/>
+          <a:p>
+            <a:r>
+              <a:rPr lang="en-GB" dirty="0" smtClean="0"/>
+              <a:t>Adding a simple test to SWE</a:t>
+            </a:r>
+            <a:endParaRPr lang="en-GB" dirty="0"/>
+          </a:p>
+        </p:txBody>
+      </p:sp>
+      <p:sp>
+        <p:nvSpPr>
+          <p:cNvPr id="3" name="Content Placeholder 2"/>
+          <p:cNvSpPr>
+            <a:spLocks noGrp="1"/>
+          </p:cNvSpPr>
+          <p:nvPr>
+            <p:ph idx="1"/>
+          </p:nvPr>
+        </p:nvSpPr>
+        <p:spPr/>
+        <p:txBody>
+          <a:bodyPr/>
+          <a:lstStyle/>
+          <a:p>
+            <a:r>
+              <a:rPr lang="en-GB" dirty="0" smtClean="0">
+                <a:solidFill>
+                  <a:srgbClr val="FF0000"/>
+                </a:solidFill>
+              </a:rPr>
+              <a:t>In main CMakeLists.txt</a:t>
+            </a:r>
+            <a:endParaRPr lang="en-GB" dirty="0">
+              <a:solidFill>
+                <a:srgbClr val="FF0000"/>
+              </a:solidFill>
+            </a:endParaRPr>
+          </a:p>
+          <a:p>
+            <a:r>
+              <a:rPr lang="en-GB" dirty="0"/>
+              <a:t>include(</a:t>
+            </a:r>
+            <a:r>
+              <a:rPr lang="en-GB" dirty="0" err="1"/>
+              <a:t>CTest</a:t>
+            </a:r>
+            <a:r>
+              <a:rPr lang="en-GB" dirty="0"/>
+              <a:t>)</a:t>
+            </a:r>
+          </a:p>
+          <a:p>
+            <a:r>
+              <a:rPr lang="en-GB" dirty="0"/>
+              <a:t>if (BUILD_TESTING)</a:t>
+            </a:r>
+          </a:p>
+          <a:p>
+            <a:r>
+              <a:rPr lang="en-GB" dirty="0"/>
+              <a:t>  </a:t>
+            </a:r>
+            <a:r>
+              <a:rPr lang="en-GB" dirty="0" err="1"/>
+              <a:t>enable_testing</a:t>
+            </a:r>
+            <a:r>
+              <a:rPr lang="en-GB" dirty="0"/>
+              <a:t>()</a:t>
+            </a:r>
+          </a:p>
+          <a:p>
+            <a:r>
+              <a:rPr lang="en-GB" dirty="0"/>
+              <a:t>  </a:t>
+            </a:r>
+            <a:r>
+              <a:rPr lang="en-GB" dirty="0" err="1"/>
+              <a:t>add_subdirectory</a:t>
+            </a:r>
+            <a:r>
+              <a:rPr lang="en-GB" dirty="0"/>
+              <a:t>(test)</a:t>
+            </a:r>
+          </a:p>
+          <a:p>
+            <a:r>
+              <a:rPr lang="en-GB" dirty="0" err="1"/>
+              <a:t>endif</a:t>
+            </a:r>
+            <a:r>
+              <a:rPr lang="en-GB" dirty="0"/>
+              <a:t>(BUILD_TESTING)</a:t>
+            </a:r>
+          </a:p>
+          <a:p>
+            <a:endParaRPr lang="en-GB" dirty="0" smtClean="0"/>
+          </a:p>
+          <a:p>
+            <a:r>
+              <a:rPr lang="en-GB" dirty="0" smtClean="0">
+                <a:solidFill>
+                  <a:srgbClr val="FF0000"/>
+                </a:solidFill>
+              </a:rPr>
+              <a:t>In subdirectory ‘test’ add CMakeLists.txt with contents</a:t>
+            </a:r>
+          </a:p>
+          <a:p>
+            <a:r>
+              <a:rPr lang="en-GB" dirty="0" err="1"/>
+              <a:t>add_executable</a:t>
+            </a:r>
+            <a:r>
+              <a:rPr lang="en-GB" dirty="0"/>
+              <a:t>(</a:t>
+            </a:r>
+            <a:r>
+              <a:rPr lang="en-GB" dirty="0" err="1"/>
+              <a:t>test_simple</a:t>
+            </a:r>
+            <a:r>
+              <a:rPr lang="en-GB" dirty="0"/>
+              <a:t> </a:t>
+            </a:r>
+            <a:r>
+              <a:rPr lang="en-GB" dirty="0" err="1"/>
+              <a:t>test.c</a:t>
+            </a:r>
+            <a:r>
+              <a:rPr lang="en-GB" dirty="0"/>
+              <a:t>)</a:t>
+            </a:r>
+          </a:p>
+          <a:p>
+            <a:r>
+              <a:rPr lang="en-GB" dirty="0" err="1"/>
+              <a:t>add_test</a:t>
+            </a:r>
+            <a:r>
+              <a:rPr lang="en-GB" dirty="0"/>
+              <a:t>(</a:t>
+            </a:r>
+          </a:p>
+          <a:p>
+            <a:r>
+              <a:rPr lang="en-GB" dirty="0"/>
+              <a:t>  NAME </a:t>
+            </a:r>
+            <a:r>
+              <a:rPr lang="en-GB" dirty="0" err="1"/>
+              <a:t>SimpleTest</a:t>
+            </a:r>
+            <a:endParaRPr lang="en-GB" dirty="0"/>
+          </a:p>
+          <a:p>
+            <a:r>
+              <a:rPr lang="en-GB" dirty="0"/>
+              <a:t>  COMMAND $&lt;</a:t>
+            </a:r>
+            <a:r>
+              <a:rPr lang="en-GB" dirty="0" err="1"/>
+              <a:t>TARGET_FILE:test_simple</a:t>
+            </a:r>
+            <a:r>
+              <a:rPr lang="en-GB" dirty="0"/>
+              <a:t>&gt; </a:t>
+            </a:r>
+          </a:p>
+          <a:p>
+            <a:r>
+              <a:rPr lang="en-GB" dirty="0"/>
+              <a:t>)</a:t>
+            </a:r>
+          </a:p>
+          <a:p>
+            <a:endParaRPr lang="en-GB" dirty="0" smtClean="0"/>
+          </a:p>
+          <a:p>
+            <a:r>
+              <a:rPr lang="en-GB" dirty="0" err="1" smtClean="0">
+                <a:solidFill>
+                  <a:srgbClr val="FF0000"/>
+                </a:solidFill>
+              </a:rPr>
+              <a:t>test.c</a:t>
+            </a:r>
+            <a:r>
+              <a:rPr lang="en-GB" dirty="0" smtClean="0">
+                <a:solidFill>
+                  <a:srgbClr val="FF0000"/>
+                </a:solidFill>
+              </a:rPr>
+              <a:t> is very simple</a:t>
+            </a:r>
+          </a:p>
+          <a:p>
+            <a:r>
+              <a:rPr lang="en-GB" dirty="0" err="1"/>
+              <a:t>int</a:t>
+            </a:r>
+            <a:r>
+              <a:rPr lang="en-GB" dirty="0"/>
+              <a:t> main</a:t>
+            </a:r>
+            <a:r>
+              <a:rPr lang="en-GB" dirty="0" smtClean="0"/>
+              <a:t>() {</a:t>
+            </a:r>
+            <a:endParaRPr lang="en-GB" dirty="0"/>
+          </a:p>
+          <a:p>
+            <a:r>
+              <a:rPr lang="en-GB" dirty="0"/>
+              <a:t>  return 1</a:t>
+            </a:r>
+            <a:r>
+              <a:rPr lang="en-GB" dirty="0" smtClean="0"/>
+              <a:t>; // return 0</a:t>
+            </a:r>
+            <a:endParaRPr lang="en-GB" dirty="0"/>
+          </a:p>
+          <a:p>
+            <a:r>
+              <a:rPr lang="en-GB" dirty="0"/>
+              <a:t>}</a:t>
+            </a:r>
+            <a:endParaRPr lang="en-GB" dirty="0"/>
+          </a:p>
+        </p:txBody>
+      </p:sp>
+    </p:spTree>
+    <p:extLst>
+      <p:ext uri="{BB962C8B-B14F-4D97-AF65-F5344CB8AC3E}">
+        <p14:creationId xmlns:p14="http://schemas.microsoft.com/office/powerpoint/2010/main" val="1096147605"/>
+      </p:ext>
+    </p:extLst>
+  </p:cSld>
+  <p:clrMapOvr>
+    <a:masterClrMapping/>
+  </p:clrMapOvr>
+</p:sld>
+</file>
+
+<file path=ppt/slides/slide19.xml><?xml version="1.0" encoding="utf-8"?>
+<p:sld xmlns:a="http://schemas.openxmlformats.org/drawingml/2006/main" xmlns:r="http://schemas.openxmlformats.org/officeDocument/2006/relationships" xmlns:p="http://schemas.openxmlformats.org/presentationml/2006/main">
+  <p:cSld>
+    <p:spTree>
+      <p:nvGrpSpPr>
+        <p:cNvPr id="1" name=""/>
+        <p:cNvGrpSpPr/>
+        <p:nvPr/>
+      </p:nvGrpSpPr>
+      <p:grpSpPr>
+        <a:xfrm>
+          <a:off x="0" y="0"/>
+          <a:ext cx="0" cy="0"/>
+          <a:chOff x="0" y="0"/>
+          <a:chExt cx="0" cy="0"/>
+        </a:xfrm>
+      </p:grpSpPr>
+      <p:sp>
+        <p:nvSpPr>
+          <p:cNvPr id="2" name="Title 1"/>
+          <p:cNvSpPr>
+            <a:spLocks noGrp="1"/>
+          </p:cNvSpPr>
+          <p:nvPr>
+            <p:ph type="title"/>
+          </p:nvPr>
+        </p:nvSpPr>
+        <p:spPr/>
+        <p:txBody>
+          <a:bodyPr/>
+          <a:lstStyle/>
+          <a:p>
+            <a:r>
+              <a:rPr lang="en-GB" dirty="0" smtClean="0"/>
+              <a:t>You’ll thank me later</a:t>
+            </a:r>
+            <a:endParaRPr lang="en-GB" dirty="0"/>
+          </a:p>
+        </p:txBody>
+      </p:sp>
+      <p:pic>
+        <p:nvPicPr>
+          <p:cNvPr id="1026" name="Picture 2" descr="http://images2.fanpop.com/image/photos/8600000/Monk-Wallpaper-monk-8607399-1280-1024.jpg"/>
+          <p:cNvPicPr>
+            <a:picLocks noGrp="1" noChangeAspect="1" noChangeArrowheads="1"/>
+          </p:cNvPicPr>
+          <p:nvPr>
+            <p:ph idx="1"/>
+          </p:nvPr>
+        </p:nvPicPr>
+        <p:blipFill>
+          <a:blip r:embed="rId2">
+            <a:extLst>
+              <a:ext uri="{28A0092B-C50C-407E-A947-70E740481C1C}">
+                <a14:useLocalDpi xmlns:a14="http://schemas.microsoft.com/office/drawing/2010/main" val="0"/>
+              </a:ext>
+            </a:extLst>
+          </a:blip>
+          <a:srcRect/>
+          <a:stretch>
+            <a:fillRect/>
+          </a:stretch>
+        </p:blipFill>
+        <p:spPr bwMode="auto">
+          <a:xfrm>
+            <a:off x="1935163" y="1628775"/>
+            <a:ext cx="5849937" cy="4679950"/>
+          </a:xfrm>
+          <a:prstGeom prst="rect">
+            <a:avLst/>
+          </a:prstGeom>
+          <a:noFill/>
+          <a:extLst>
+            <a:ext uri="{909E8E84-426E-40DD-AFC4-6F175D3DCCD1}">
+              <a14:hiddenFill xmlns:a14="http://schemas.microsoft.com/office/drawing/2010/main">
+                <a:solidFill>
+                  <a:srgbClr val="FFFFFF"/>
+                </a:solidFill>
+              </a14:hiddenFill>
+            </a:ext>
+          </a:extLst>
+        </p:spPr>
+      </p:pic>
+    </p:spTree>
+    <p:extLst>
+      <p:ext uri="{BB962C8B-B14F-4D97-AF65-F5344CB8AC3E}">
+        <p14:creationId xmlns:p14="http://schemas.microsoft.com/office/powerpoint/2010/main" val="4264883395"/>
       </p:ext>
     </p:extLst>
   </p:cSld>
@@ -5449,15 +6134,7 @@
           <a:p>
             <a:r>
               <a:rPr lang="en-GB" dirty="0" smtClean="0"/>
-              <a:t>What is </a:t>
-            </a:r>
-            <a:r>
-              <a:rPr lang="en-GB" dirty="0" err="1" smtClean="0"/>
-              <a:t>CMake</a:t>
-            </a:r>
-            <a:r>
-              <a:rPr lang="en-GB" dirty="0" smtClean="0"/>
-              <a:t> (and why do we need it)</a:t>
+              <a:t>What is CMake (and why do we need it)</a:t>
             </a:r>
             <a:endParaRPr lang="en-GB" dirty="0"/>
           </a:p>
@@ -5569,12 +6246,8 @@
               <a:buNone/>
             </a:pPr>
             <a:r>
-              <a:rPr lang="en-GB" dirty="0" err="1" smtClean="0"/>
-              <a:t>CMake</a:t>
-            </a:r>
-            <a:r>
-              <a:rPr lang="en-GB" dirty="0" smtClean="0"/>
-              <a:t> has a more straightforward syntax (language)</a:t>
+              <a:rPr lang="en-GB" dirty="0" smtClean="0"/>
+              <a:t>CMake has a more straightforward syntax (language)</a:t>
             </a:r>
           </a:p>
           <a:p>
@@ -5650,6 +6323,791 @@
     <p:extLst>
       <p:ext uri="{BB962C8B-B14F-4D97-AF65-F5344CB8AC3E}">
         <p14:creationId xmlns:p14="http://schemas.microsoft.com/office/powerpoint/2010/main" val="1646213239"/>
+      </p:ext>
+    </p:extLst>
+  </p:cSld>
+  <p:clrMapOvr>
+    <a:masterClrMapping/>
+  </p:clrMapOvr>
+</p:sld>
+</file>
+
+<file path=ppt/slides/slide20.xml><?xml version="1.0" encoding="utf-8"?>
+<p:sld xmlns:a="http://schemas.openxmlformats.org/drawingml/2006/main" xmlns:r="http://schemas.openxmlformats.org/officeDocument/2006/relationships" xmlns:p="http://schemas.openxmlformats.org/presentationml/2006/main">
+  <p:cSld>
+    <p:spTree>
+      <p:nvGrpSpPr>
+        <p:cNvPr id="1" name=""/>
+        <p:cNvGrpSpPr/>
+        <p:nvPr/>
+      </p:nvGrpSpPr>
+      <p:grpSpPr>
+        <a:xfrm>
+          <a:off x="0" y="0"/>
+          <a:ext cx="0" cy="0"/>
+          <a:chOff x="0" y="0"/>
+          <a:chExt cx="0" cy="0"/>
+        </a:xfrm>
+      </p:grpSpPr>
+      <p:sp>
+        <p:nvSpPr>
+          <p:cNvPr id="2" name="Title 1"/>
+          <p:cNvSpPr>
+            <a:spLocks noGrp="1"/>
+          </p:cNvSpPr>
+          <p:nvPr>
+            <p:ph type="title"/>
+          </p:nvPr>
+        </p:nvSpPr>
+        <p:spPr/>
+        <p:txBody>
+          <a:bodyPr/>
+          <a:lstStyle/>
+          <a:p>
+            <a:r>
+              <a:rPr lang="en-GB" dirty="0" smtClean="0"/>
+              <a:t>Complex </a:t>
+            </a:r>
+            <a:r>
+              <a:rPr lang="en-GB" dirty="0" err="1" smtClean="0"/>
+              <a:t>netCDF</a:t>
+            </a:r>
+            <a:r>
+              <a:rPr lang="en-GB" dirty="0" smtClean="0"/>
+              <a:t> Test</a:t>
+            </a:r>
+            <a:endParaRPr lang="en-GB" dirty="0"/>
+          </a:p>
+        </p:txBody>
+      </p:sp>
+      <p:sp>
+        <p:nvSpPr>
+          <p:cNvPr id="3" name="Content Placeholder 2"/>
+          <p:cNvSpPr>
+            <a:spLocks noGrp="1"/>
+          </p:cNvSpPr>
+          <p:nvPr>
+            <p:ph idx="1"/>
+          </p:nvPr>
+        </p:nvSpPr>
+        <p:spPr/>
+        <p:txBody>
+          <a:bodyPr/>
+          <a:lstStyle/>
+          <a:p>
+            <a:r>
+              <a:rPr lang="en-GB" dirty="0" smtClean="0"/>
+              <a:t>We want to</a:t>
+            </a:r>
+          </a:p>
+          <a:p>
+            <a:endParaRPr lang="en-GB" dirty="0"/>
+          </a:p>
+          <a:p>
+            <a:pPr lvl="2"/>
+            <a:r>
+              <a:rPr lang="en-GB" dirty="0" smtClean="0"/>
+              <a:t>run the solver (</a:t>
+            </a:r>
+            <a:r>
+              <a:rPr lang="en-GB" dirty="0" err="1" smtClean="0"/>
+              <a:t>swe_simple</a:t>
+            </a:r>
+            <a:r>
+              <a:rPr lang="en-GB" dirty="0" smtClean="0"/>
+              <a:t>) using known </a:t>
+            </a:r>
+            <a:r>
+              <a:rPr lang="en-GB" dirty="0" err="1" smtClean="0"/>
+              <a:t>params</a:t>
+            </a:r>
+            <a:endParaRPr lang="en-GB" dirty="0" smtClean="0"/>
+          </a:p>
+          <a:p>
+            <a:pPr lvl="2"/>
+            <a:r>
+              <a:rPr lang="en-GB" dirty="0" smtClean="0"/>
+              <a:t>take the output (a </a:t>
+            </a:r>
+            <a:r>
+              <a:rPr lang="en-GB" dirty="0" err="1" smtClean="0"/>
+              <a:t>netCDF</a:t>
+            </a:r>
+            <a:r>
+              <a:rPr lang="en-GB" dirty="0" smtClean="0"/>
+              <a:t> file)</a:t>
+            </a:r>
+          </a:p>
+          <a:p>
+            <a:pPr lvl="2"/>
+            <a:r>
+              <a:rPr lang="en-GB" dirty="0" smtClean="0"/>
+              <a:t>examine output (</a:t>
+            </a:r>
+            <a:r>
+              <a:rPr lang="en-GB" dirty="0" err="1" smtClean="0"/>
+              <a:t>netCDFTest</a:t>
+            </a:r>
+            <a:r>
+              <a:rPr lang="en-GB" dirty="0" smtClean="0"/>
+              <a:t>) and see if it is what we expect</a:t>
+            </a:r>
+          </a:p>
+          <a:p>
+            <a:endParaRPr lang="en-GB" dirty="0"/>
+          </a:p>
+          <a:p>
+            <a:r>
+              <a:rPr lang="en-GB" dirty="0" err="1" smtClean="0"/>
+              <a:t>Ctest</a:t>
+            </a:r>
+            <a:r>
+              <a:rPr lang="en-GB" dirty="0" smtClean="0"/>
+              <a:t> won’t let us run two programs in a single test (i.e. a chained series of commands)</a:t>
+            </a:r>
+          </a:p>
+          <a:p>
+            <a:endParaRPr lang="en-GB" dirty="0"/>
+          </a:p>
+          <a:p>
+            <a:r>
+              <a:rPr lang="en-GB" dirty="0" smtClean="0"/>
+              <a:t>But it will allow us to run a script</a:t>
+            </a:r>
+          </a:p>
+          <a:p>
+            <a:endParaRPr lang="en-GB" dirty="0"/>
+          </a:p>
+          <a:p>
+            <a:r>
+              <a:rPr lang="en-GB" dirty="0" smtClean="0"/>
+              <a:t>on </a:t>
+            </a:r>
+            <a:r>
+              <a:rPr lang="en-GB" dirty="0" err="1" smtClean="0"/>
+              <a:t>linux</a:t>
+            </a:r>
+            <a:r>
+              <a:rPr lang="en-GB" dirty="0" smtClean="0"/>
+              <a:t>, bash, on windows bat, on other devices ???</a:t>
+            </a:r>
+          </a:p>
+          <a:p>
+            <a:endParaRPr lang="en-GB" dirty="0"/>
+          </a:p>
+          <a:p>
+            <a:r>
+              <a:rPr lang="en-GB" dirty="0" smtClean="0"/>
+              <a:t>CMake can run </a:t>
+            </a:r>
+            <a:r>
+              <a:rPr lang="en-GB" dirty="0" err="1" smtClean="0"/>
+              <a:t>cmake</a:t>
+            </a:r>
+            <a:r>
+              <a:rPr lang="en-GB" dirty="0" smtClean="0"/>
+              <a:t> scripts!!!! and so we write a </a:t>
+            </a:r>
+            <a:r>
+              <a:rPr lang="en-GB" dirty="0" err="1" smtClean="0"/>
+              <a:t>cmake</a:t>
+            </a:r>
+            <a:r>
+              <a:rPr lang="en-GB" dirty="0" smtClean="0"/>
+              <a:t> script to run our two step test and make that the test.</a:t>
+            </a:r>
+          </a:p>
+          <a:p>
+            <a:endParaRPr lang="en-GB" dirty="0"/>
+          </a:p>
+        </p:txBody>
+      </p:sp>
+    </p:spTree>
+    <p:extLst>
+      <p:ext uri="{BB962C8B-B14F-4D97-AF65-F5344CB8AC3E}">
+        <p14:creationId xmlns:p14="http://schemas.microsoft.com/office/powerpoint/2010/main" val="2796364900"/>
+      </p:ext>
+    </p:extLst>
+  </p:cSld>
+  <p:clrMapOvr>
+    <a:masterClrMapping/>
+  </p:clrMapOvr>
+</p:sld>
+</file>
+
+<file path=ppt/slides/slide21.xml><?xml version="1.0" encoding="utf-8"?>
+<p:sld xmlns:a="http://schemas.openxmlformats.org/drawingml/2006/main" xmlns:r="http://schemas.openxmlformats.org/officeDocument/2006/relationships" xmlns:p="http://schemas.openxmlformats.org/presentationml/2006/main">
+  <p:cSld>
+    <p:spTree>
+      <p:nvGrpSpPr>
+        <p:cNvPr id="1" name=""/>
+        <p:cNvGrpSpPr/>
+        <p:nvPr/>
+      </p:nvGrpSpPr>
+      <p:grpSpPr>
+        <a:xfrm>
+          <a:off x="0" y="0"/>
+          <a:ext cx="0" cy="0"/>
+          <a:chOff x="0" y="0"/>
+          <a:chExt cx="0" cy="0"/>
+        </a:xfrm>
+      </p:grpSpPr>
+      <p:sp>
+        <p:nvSpPr>
+          <p:cNvPr id="2" name="Title 1"/>
+          <p:cNvSpPr>
+            <a:spLocks noGrp="1"/>
+          </p:cNvSpPr>
+          <p:nvPr>
+            <p:ph type="title"/>
+          </p:nvPr>
+        </p:nvSpPr>
+        <p:spPr/>
+        <p:txBody>
+          <a:bodyPr/>
+          <a:lstStyle/>
+          <a:p>
+            <a:r>
+              <a:rPr lang="en-GB" dirty="0" smtClean="0"/>
+              <a:t>Create a test executable</a:t>
+            </a:r>
+            <a:endParaRPr lang="en-GB" dirty="0"/>
+          </a:p>
+        </p:txBody>
+      </p:sp>
+      <p:sp>
+        <p:nvSpPr>
+          <p:cNvPr id="3" name="Content Placeholder 2"/>
+          <p:cNvSpPr>
+            <a:spLocks noGrp="1"/>
+          </p:cNvSpPr>
+          <p:nvPr>
+            <p:ph idx="1"/>
+          </p:nvPr>
+        </p:nvSpPr>
+        <p:spPr/>
+        <p:txBody>
+          <a:bodyPr/>
+          <a:lstStyle/>
+          <a:p>
+            <a:r>
+              <a:rPr lang="en-GB" dirty="0" smtClean="0">
+                <a:solidFill>
+                  <a:srgbClr val="FF0000"/>
+                </a:solidFill>
+              </a:rPr>
+              <a:t>in test/CMakeLists.txt</a:t>
+            </a:r>
+          </a:p>
+          <a:p>
+            <a:endParaRPr lang="en-GB" dirty="0" smtClean="0"/>
+          </a:p>
+          <a:p>
+            <a:r>
+              <a:rPr lang="en-GB" dirty="0" smtClean="0"/>
+              <a:t>#--------------------------------------------------------------------------</a:t>
+            </a:r>
+            <a:endParaRPr lang="en-GB" dirty="0"/>
+          </a:p>
+          <a:p>
+            <a:r>
+              <a:rPr lang="en-GB" dirty="0"/>
+              <a:t># complex test to try </a:t>
+            </a:r>
+            <a:r>
+              <a:rPr lang="en-GB" dirty="0" err="1"/>
+              <a:t>netCDF</a:t>
+            </a:r>
+            <a:r>
+              <a:rPr lang="en-GB" dirty="0"/>
+              <a:t> check</a:t>
+            </a:r>
+          </a:p>
+          <a:p>
+            <a:r>
+              <a:rPr lang="en-GB" dirty="0"/>
+              <a:t>#--------------------------------------------------------------------------</a:t>
+            </a:r>
+          </a:p>
+          <a:p>
+            <a:r>
+              <a:rPr lang="en-GB" dirty="0" err="1"/>
+              <a:t>add_executable</a:t>
+            </a:r>
+            <a:r>
+              <a:rPr lang="en-GB" dirty="0"/>
+              <a:t>(</a:t>
+            </a:r>
+            <a:r>
+              <a:rPr lang="en-GB" dirty="0" err="1"/>
+              <a:t>test_netcdf</a:t>
+            </a:r>
+            <a:r>
+              <a:rPr lang="en-GB" dirty="0"/>
+              <a:t> netcdf_test.cpp)</a:t>
+            </a:r>
+          </a:p>
+          <a:p>
+            <a:r>
+              <a:rPr lang="en-GB" dirty="0" err="1"/>
+              <a:t>target_link_libraries</a:t>
+            </a:r>
+            <a:r>
+              <a:rPr lang="en-GB" dirty="0"/>
+              <a:t>(</a:t>
+            </a:r>
+            <a:r>
+              <a:rPr lang="en-GB" dirty="0" err="1"/>
+              <a:t>test_netcdf</a:t>
+            </a:r>
+            <a:r>
+              <a:rPr lang="en-GB" dirty="0"/>
+              <a:t> ${NETCDF_LIBRARIES})</a:t>
+            </a:r>
+          </a:p>
+          <a:p>
+            <a:endParaRPr lang="en-GB" dirty="0" smtClean="0"/>
+          </a:p>
+          <a:p>
+            <a:endParaRPr lang="en-GB" dirty="0" smtClean="0"/>
+          </a:p>
+          <a:p>
+            <a:r>
+              <a:rPr lang="en-GB" dirty="0" smtClean="0"/>
+              <a:t>contents of netcdf_test.cpp are on wiki and will load a file and check the size of the dataset stored inside it. (</a:t>
+            </a:r>
+            <a:r>
+              <a:rPr lang="en-GB" dirty="0" err="1" smtClean="0"/>
+              <a:t>params</a:t>
+            </a:r>
+            <a:r>
+              <a:rPr lang="en-GB" dirty="0" smtClean="0"/>
+              <a:t>=file </a:t>
+            </a:r>
+            <a:r>
+              <a:rPr lang="en-GB" dirty="0" err="1" smtClean="0"/>
+              <a:t>sizex</a:t>
+            </a:r>
+            <a:r>
+              <a:rPr lang="en-GB" dirty="0" smtClean="0"/>
+              <a:t> </a:t>
+            </a:r>
+            <a:r>
+              <a:rPr lang="en-GB" dirty="0" err="1" smtClean="0"/>
+              <a:t>sizey</a:t>
+            </a:r>
+            <a:r>
+              <a:rPr lang="en-GB" dirty="0" smtClean="0"/>
+              <a:t>)</a:t>
+            </a:r>
+          </a:p>
+          <a:p>
+            <a:endParaRPr lang="en-GB" dirty="0"/>
+          </a:p>
+          <a:p>
+            <a:r>
+              <a:rPr lang="en-GB" dirty="0" smtClean="0"/>
+              <a:t>Not a proper test (size does not guarantee solver is ok), but a good example of testing the IO (for example)</a:t>
+            </a:r>
+            <a:endParaRPr lang="en-GB" dirty="0"/>
+          </a:p>
+        </p:txBody>
+      </p:sp>
+    </p:spTree>
+    <p:extLst>
+      <p:ext uri="{BB962C8B-B14F-4D97-AF65-F5344CB8AC3E}">
+        <p14:creationId xmlns:p14="http://schemas.microsoft.com/office/powerpoint/2010/main" val="3556015186"/>
+      </p:ext>
+    </p:extLst>
+  </p:cSld>
+  <p:clrMapOvr>
+    <a:masterClrMapping/>
+  </p:clrMapOvr>
+</p:sld>
+</file>
+
+<file path=ppt/slides/slide22.xml><?xml version="1.0" encoding="utf-8"?>
+<p:sld xmlns:a="http://schemas.openxmlformats.org/drawingml/2006/main" xmlns:r="http://schemas.openxmlformats.org/officeDocument/2006/relationships" xmlns:p="http://schemas.openxmlformats.org/presentationml/2006/main">
+  <p:cSld>
+    <p:spTree>
+      <p:nvGrpSpPr>
+        <p:cNvPr id="1" name=""/>
+        <p:cNvGrpSpPr/>
+        <p:nvPr/>
+      </p:nvGrpSpPr>
+      <p:grpSpPr>
+        <a:xfrm>
+          <a:off x="0" y="0"/>
+          <a:ext cx="0" cy="0"/>
+          <a:chOff x="0" y="0"/>
+          <a:chExt cx="0" cy="0"/>
+        </a:xfrm>
+      </p:grpSpPr>
+      <p:sp>
+        <p:nvSpPr>
+          <p:cNvPr id="2" name="Title 1"/>
+          <p:cNvSpPr>
+            <a:spLocks noGrp="1"/>
+          </p:cNvSpPr>
+          <p:nvPr>
+            <p:ph type="title"/>
+          </p:nvPr>
+        </p:nvSpPr>
+        <p:spPr/>
+        <p:txBody>
+          <a:bodyPr/>
+          <a:lstStyle/>
+          <a:p>
+            <a:r>
+              <a:rPr lang="en-GB" dirty="0" smtClean="0"/>
+              <a:t>Add the test with all its </a:t>
+            </a:r>
+            <a:r>
+              <a:rPr lang="en-GB" dirty="0" err="1" smtClean="0"/>
+              <a:t>params</a:t>
+            </a:r>
+            <a:endParaRPr lang="en-GB" dirty="0"/>
+          </a:p>
+        </p:txBody>
+      </p:sp>
+      <p:sp>
+        <p:nvSpPr>
+          <p:cNvPr id="3" name="Content Placeholder 2"/>
+          <p:cNvSpPr>
+            <a:spLocks noGrp="1"/>
+          </p:cNvSpPr>
+          <p:nvPr>
+            <p:ph idx="1"/>
+          </p:nvPr>
+        </p:nvSpPr>
+        <p:spPr/>
+        <p:txBody>
+          <a:bodyPr/>
+          <a:lstStyle/>
+          <a:p>
+            <a:r>
+              <a:rPr lang="en-GB" dirty="0"/>
+              <a:t>set(X_SIZE 64)</a:t>
+            </a:r>
+          </a:p>
+          <a:p>
+            <a:r>
+              <a:rPr lang="en-GB" dirty="0"/>
+              <a:t>set(Y_SIZE 64)</a:t>
+            </a:r>
+          </a:p>
+          <a:p>
+            <a:endParaRPr lang="en-GB" dirty="0"/>
+          </a:p>
+          <a:p>
+            <a:r>
+              <a:rPr lang="en-GB" dirty="0" err="1"/>
+              <a:t>add_test</a:t>
+            </a:r>
+            <a:r>
+              <a:rPr lang="en-GB" dirty="0"/>
+              <a:t>(NAME </a:t>
+            </a:r>
+            <a:r>
+              <a:rPr lang="en-GB" dirty="0" err="1"/>
+              <a:t>NetCDF_IO_TEST</a:t>
+            </a:r>
+            <a:endParaRPr lang="en-GB" dirty="0"/>
+          </a:p>
+          <a:p>
+            <a:r>
+              <a:rPr lang="en-GB" dirty="0"/>
+              <a:t>    COMMAND ${CMAKE_COMMAND}</a:t>
+            </a:r>
+          </a:p>
+          <a:p>
+            <a:r>
+              <a:rPr lang="en-GB" dirty="0"/>
+              <a:t>            -DCMD1=$&lt;</a:t>
+            </a:r>
+            <a:r>
+              <a:rPr lang="en-GB" dirty="0" err="1"/>
+              <a:t>TARGET_FILE:swe_simple</a:t>
+            </a:r>
+            <a:r>
+              <a:rPr lang="en-GB" dirty="0"/>
+              <a:t>&gt;</a:t>
+            </a:r>
+          </a:p>
+          <a:p>
+            <a:r>
+              <a:rPr lang="en-GB" dirty="0"/>
+              <a:t>            -DARG1=--grid-size-x=${X_SIZE} </a:t>
+            </a:r>
+          </a:p>
+          <a:p>
+            <a:r>
+              <a:rPr lang="en-GB" dirty="0"/>
+              <a:t>            -DARG2=--grid-size-y=${Y_SIZE}</a:t>
+            </a:r>
+          </a:p>
+          <a:p>
+            <a:r>
+              <a:rPr lang="en-GB" dirty="0"/>
+              <a:t>            -DARG3=--output-</a:t>
+            </a:r>
+            <a:r>
+              <a:rPr lang="en-GB" dirty="0" err="1"/>
+              <a:t>basepath</a:t>
+            </a:r>
+            <a:r>
+              <a:rPr lang="en-GB" dirty="0"/>
+              <a:t>=${CMAKE_CURRENT_BINARY_DIR}/temp</a:t>
+            </a:r>
+          </a:p>
+          <a:p>
+            <a:endParaRPr lang="en-GB" dirty="0"/>
+          </a:p>
+          <a:p>
+            <a:r>
+              <a:rPr lang="en-GB" dirty="0"/>
+              <a:t>            -DCMD2=$&lt;</a:t>
+            </a:r>
+            <a:r>
+              <a:rPr lang="en-GB" dirty="0" err="1"/>
+              <a:t>TARGET_FILE:test_netcdf</a:t>
+            </a:r>
+            <a:r>
+              <a:rPr lang="en-GB" dirty="0"/>
+              <a:t>&gt;</a:t>
+            </a:r>
+          </a:p>
+          <a:p>
+            <a:r>
+              <a:rPr lang="en-GB" dirty="0"/>
+              <a:t>            -DARG4=${CMAKE_CURRENT_BINARY_DIR}/temp_00.nc</a:t>
+            </a:r>
+          </a:p>
+          <a:p>
+            <a:r>
+              <a:rPr lang="en-GB" dirty="0"/>
+              <a:t>            -DARG5=${X_SIZE} </a:t>
+            </a:r>
+          </a:p>
+          <a:p>
+            <a:r>
+              <a:rPr lang="en-GB" dirty="0"/>
+              <a:t>            -DARG6=${Y_SIZE} </a:t>
+            </a:r>
+          </a:p>
+          <a:p>
+            <a:r>
+              <a:rPr lang="en-GB" dirty="0"/>
+              <a:t>    -P ${CMAKE_CURRENT_SOURCE_DIR}/</a:t>
+            </a:r>
+            <a:r>
+              <a:rPr lang="en-GB" dirty="0" err="1"/>
+              <a:t>run_test.cmake</a:t>
+            </a:r>
+            <a:endParaRPr lang="en-GB" dirty="0"/>
+          </a:p>
+          <a:p>
+            <a:r>
+              <a:rPr lang="en-GB" dirty="0"/>
+              <a:t>)</a:t>
+            </a:r>
+          </a:p>
+          <a:p>
+            <a:endParaRPr lang="en-GB" dirty="0"/>
+          </a:p>
+        </p:txBody>
+      </p:sp>
+    </p:spTree>
+    <p:extLst>
+      <p:ext uri="{BB962C8B-B14F-4D97-AF65-F5344CB8AC3E}">
+        <p14:creationId xmlns:p14="http://schemas.microsoft.com/office/powerpoint/2010/main" val="2145115894"/>
+      </p:ext>
+    </p:extLst>
+  </p:cSld>
+  <p:clrMapOvr>
+    <a:masterClrMapping/>
+  </p:clrMapOvr>
+</p:sld>
+</file>
+
+<file path=ppt/slides/slide23.xml><?xml version="1.0" encoding="utf-8"?>
+<p:sld xmlns:a="http://schemas.openxmlformats.org/drawingml/2006/main" xmlns:r="http://schemas.openxmlformats.org/officeDocument/2006/relationships" xmlns:p="http://schemas.openxmlformats.org/presentationml/2006/main">
+  <p:cSld>
+    <p:spTree>
+      <p:nvGrpSpPr>
+        <p:cNvPr id="1" name=""/>
+        <p:cNvGrpSpPr/>
+        <p:nvPr/>
+      </p:nvGrpSpPr>
+      <p:grpSpPr>
+        <a:xfrm>
+          <a:off x="0" y="0"/>
+          <a:ext cx="0" cy="0"/>
+          <a:chOff x="0" y="0"/>
+          <a:chExt cx="0" cy="0"/>
+        </a:xfrm>
+      </p:grpSpPr>
+      <p:sp>
+        <p:nvSpPr>
+          <p:cNvPr id="2" name="Title 1"/>
+          <p:cNvSpPr>
+            <a:spLocks noGrp="1"/>
+          </p:cNvSpPr>
+          <p:nvPr>
+            <p:ph type="title"/>
+          </p:nvPr>
+        </p:nvSpPr>
+        <p:spPr/>
+        <p:txBody>
+          <a:bodyPr/>
+          <a:lstStyle/>
+          <a:p>
+            <a:r>
+              <a:rPr lang="en-GB" dirty="0" err="1" smtClean="0"/>
+              <a:t>run_test.cmake</a:t>
+            </a:r>
+            <a:endParaRPr lang="en-GB" dirty="0"/>
+          </a:p>
+        </p:txBody>
+      </p:sp>
+      <p:sp>
+        <p:nvSpPr>
+          <p:cNvPr id="3" name="Content Placeholder 2"/>
+          <p:cNvSpPr>
+            <a:spLocks noGrp="1"/>
+          </p:cNvSpPr>
+          <p:nvPr>
+            <p:ph idx="1"/>
+          </p:nvPr>
+        </p:nvSpPr>
+        <p:spPr/>
+        <p:txBody>
+          <a:bodyPr/>
+          <a:lstStyle/>
+          <a:p>
+            <a:r>
+              <a:rPr lang="en-GB" dirty="0"/>
+              <a:t>macro(EXEC_CHECK CMD A1 A2 A3)</a:t>
+            </a:r>
+          </a:p>
+          <a:p>
+            <a:r>
+              <a:rPr lang="en-GB" dirty="0"/>
+              <a:t>    </a:t>
+            </a:r>
+            <a:r>
+              <a:rPr lang="en-GB" dirty="0" err="1"/>
+              <a:t>execute_process</a:t>
+            </a:r>
+            <a:r>
+              <a:rPr lang="en-GB" dirty="0"/>
+              <a:t>(COMMAND ${CMD} ${A1} ${A2} ${A3} RESULT_VARIABLE CMD_RESULT)</a:t>
+            </a:r>
+          </a:p>
+          <a:p>
+            <a:r>
+              <a:rPr lang="en-GB" dirty="0"/>
+              <a:t>    if(CMD_RESULT)</a:t>
+            </a:r>
+          </a:p>
+          <a:p>
+            <a:r>
+              <a:rPr lang="en-GB" dirty="0"/>
+              <a:t>        message("Result was ${CMD_RESULT}")</a:t>
+            </a:r>
+          </a:p>
+          <a:p>
+            <a:r>
+              <a:rPr lang="en-GB" dirty="0"/>
+              <a:t>        message(FATAL_ERROR "Error running ${CMD}")</a:t>
+            </a:r>
+          </a:p>
+          <a:p>
+            <a:r>
+              <a:rPr lang="en-GB" dirty="0"/>
+              <a:t>    </a:t>
+            </a:r>
+            <a:r>
+              <a:rPr lang="en-GB" dirty="0" err="1"/>
+              <a:t>endif</a:t>
+            </a:r>
+            <a:r>
+              <a:rPr lang="en-GB" dirty="0"/>
+              <a:t>()</a:t>
+            </a:r>
+          </a:p>
+          <a:p>
+            <a:r>
+              <a:rPr lang="en-GB" dirty="0" err="1"/>
+              <a:t>endmacro</a:t>
+            </a:r>
+            <a:r>
+              <a:rPr lang="en-GB" dirty="0"/>
+              <a:t>()</a:t>
+            </a:r>
+          </a:p>
+          <a:p>
+            <a:endParaRPr lang="en-GB" dirty="0"/>
+          </a:p>
+          <a:p>
+            <a:r>
+              <a:rPr lang="en-GB" dirty="0"/>
+              <a:t>EXEC_CHECK(${CMD1} ${ARG1} ${ARG2} ${ARG3})</a:t>
+            </a:r>
+          </a:p>
+          <a:p>
+            <a:r>
+              <a:rPr lang="en-GB" dirty="0"/>
+              <a:t>EXEC_CHECK(${CMD2} ${ARG4} ${ARG5} ${ARG6</a:t>
+            </a:r>
+            <a:r>
+              <a:rPr lang="en-GB" dirty="0" smtClean="0"/>
+              <a:t>})</a:t>
+            </a:r>
+          </a:p>
+          <a:p>
+            <a:endParaRPr lang="en-GB" dirty="0"/>
+          </a:p>
+          <a:p>
+            <a:endParaRPr lang="en-GB" dirty="0" smtClean="0"/>
+          </a:p>
+          <a:p>
+            <a:r>
+              <a:rPr lang="en-GB" dirty="0" smtClean="0">
+                <a:solidFill>
+                  <a:srgbClr val="FF0000"/>
+                </a:solidFill>
+              </a:rPr>
+              <a:t>we use arg1, arg2 arg3 variables because we can’t pass command line </a:t>
+            </a:r>
+            <a:r>
+              <a:rPr lang="en-GB" dirty="0" err="1" smtClean="0">
+                <a:solidFill>
+                  <a:srgbClr val="FF0000"/>
+                </a:solidFill>
+              </a:rPr>
+              <a:t>params</a:t>
+            </a:r>
+            <a:r>
+              <a:rPr lang="en-GB" dirty="0" smtClean="0">
+                <a:solidFill>
+                  <a:srgbClr val="FF0000"/>
+                </a:solidFill>
+              </a:rPr>
+              <a:t> : bit of a hack really, but quite effective.</a:t>
+            </a:r>
+            <a:endParaRPr lang="en-GB" dirty="0">
+              <a:solidFill>
+                <a:srgbClr val="FF0000"/>
+              </a:solidFill>
+            </a:endParaRPr>
+          </a:p>
+        </p:txBody>
+      </p:sp>
+    </p:spTree>
+    <p:extLst>
+      <p:ext uri="{BB962C8B-B14F-4D97-AF65-F5344CB8AC3E}">
+        <p14:creationId xmlns:p14="http://schemas.microsoft.com/office/powerpoint/2010/main" val="3180092143"/>
       </p:ext>
     </p:extLst>
   </p:cSld>
@@ -5804,15 +7262,7 @@
             </a:r>
             <a:r>
               <a:rPr lang="en-GB" dirty="0" smtClean="0"/>
-              <a:t> of hello.exe. </a:t>
-            </a:r>
-            <a:r>
-              <a:rPr lang="en-GB" dirty="0" err="1" smtClean="0"/>
-              <a:t>CMake</a:t>
-            </a:r>
-            <a:r>
-              <a:rPr lang="en-GB" dirty="0" smtClean="0"/>
-              <a:t> scans most source files and adds sub-dependencies like </a:t>
+              <a:t> of hello.exe. CMake scans most source files and adds sub-dependencies like </a:t>
             </a:r>
             <a:r>
               <a:rPr lang="en-GB" dirty="0" err="1" smtClean="0"/>
@@ -6020,15 +7470,7 @@
             </a:r>
             <a:r>
               <a:rPr lang="en-GB" dirty="0" smtClean="0"/>
-              <a:t>– the rule is not explicitly written, </a:t>
-            </a:r>
-            <a:r>
-              <a:rPr lang="en-GB" dirty="0" err="1" smtClean="0"/>
-              <a:t>CMake</a:t>
-            </a:r>
-            <a:r>
-              <a:rPr lang="en-GB" dirty="0" smtClean="0"/>
-              <a:t> knows that to build an exe, it must create compile and link rules.</a:t>
+              <a:t>– the rule is not explicitly written, CMake knows that to build an exe, it must create compile and link rules.</a:t>
             </a:r>
           </a:p>
           <a:p>
@@ -6056,12 +7498,8 @@
           <a:p>
             <a:pPr lvl="1"/>
             <a:r>
-              <a:rPr lang="en-GB" dirty="0" err="1" smtClean="0"/>
-              <a:t>CMake</a:t>
-            </a:r>
-            <a:r>
-              <a:rPr lang="en-GB" dirty="0" smtClean="0"/>
-              <a:t> commands can be used to generate files for more sophisticated projects</a:t>
+              <a:rPr lang="en-GB" dirty="0" smtClean="0"/>
+              <a:t>CMake commands can be used to generate files for more sophisticated projects</a:t>
             </a:r>
           </a:p>
         </p:txBody>
@@ -7669,21 +9107,18 @@
               <a:rPr lang="en-GB" sz="1400" dirty="0"/>
               <a:t>option A is on</a:t>
             </a:r>
-            <a:endParaRPr lang="en-GB" sz="1400" dirty="0"/>
           </a:p>
           <a:p>
             <a:r>
               <a:rPr lang="en-GB" sz="1400" dirty="0"/>
               <a:t>option B is on</a:t>
             </a:r>
-            <a:endParaRPr lang="en-GB" sz="1400" dirty="0"/>
           </a:p>
           <a:p>
             <a:r>
               <a:rPr lang="en-GB" sz="1400" dirty="0"/>
               <a:t>option B is on</a:t>
             </a:r>
-            <a:endParaRPr lang="en-GB" sz="1400" dirty="0"/>
           </a:p>
           <a:p>
             <a:r>
@@ -7863,6 +9298,10 @@
             <a:r>
               <a:rPr lang="en-GB" dirty="0" smtClean="0"/>
               <a:t>if you need to set variables in subdirectories, look up </a:t>
+            </a:r>
+            <a:r>
+              <a:rPr lang="en-GB" dirty="0" smtClean="0"/>
+              <a:t>GLOBAL_SCOPE options to set(…)</a:t>
             </a:r>
             <a:endParaRPr lang="en-GB" dirty="0"/>
           </a:p>
